--- a/lesson16.pptx
+++ b/lesson16.pptx
@@ -230,7 +230,7 @@
             <a:fld id="{85522811-C5C6-42D2-A409-F8556720C93F}" type="datetimeFigureOut">
               <a:rPr lang="uk-UA" smtClean="0"/>
               <a:pPr/>
-              <a:t>02.11.2020</a:t>
+              <a:t>01.12.2020</a:t>
             </a:fld>
             <a:endParaRPr lang="uk-UA"/>
           </a:p>
@@ -775,7 +775,7 @@
             <a:fld id="{0A2E6AC4-C3FE-4E70-88D1-136405B25267}" type="datetime1">
               <a:rPr lang="uk-UA" smtClean="0"/>
               <a:pPr/>
-              <a:t>02.11.2020</a:t>
+              <a:t>01.12.2020</a:t>
             </a:fld>
             <a:endParaRPr lang="uk-UA"/>
           </a:p>
@@ -942,7 +942,7 @@
             <a:fld id="{B4D85949-5AE9-41F1-B18C-DA1006B0E8CC}" type="datetime1">
               <a:rPr lang="uk-UA" smtClean="0"/>
               <a:pPr/>
-              <a:t>02.11.2020</a:t>
+              <a:t>01.12.2020</a:t>
             </a:fld>
             <a:endParaRPr lang="uk-UA"/>
           </a:p>
@@ -1119,7 +1119,7 @@
             <a:fld id="{B20C227C-94C5-4BA1-A89C-1C7570144B22}" type="datetime1">
               <a:rPr lang="uk-UA" smtClean="0"/>
               <a:pPr/>
-              <a:t>02.11.2020</a:t>
+              <a:t>01.12.2020</a:t>
             </a:fld>
             <a:endParaRPr lang="uk-UA"/>
           </a:p>
@@ -1286,7 +1286,7 @@
             <a:fld id="{68E2E168-B245-4D8D-8538-B29990DBF87B}" type="datetime1">
               <a:rPr lang="uk-UA" smtClean="0"/>
               <a:pPr/>
-              <a:t>02.11.2020</a:t>
+              <a:t>01.12.2020</a:t>
             </a:fld>
             <a:endParaRPr lang="uk-UA"/>
           </a:p>
@@ -1529,7 +1529,7 @@
             <a:fld id="{356DAF6E-7007-4E61-B36E-794BF232B234}" type="datetime1">
               <a:rPr lang="uk-UA" smtClean="0"/>
               <a:pPr/>
-              <a:t>02.11.2020</a:t>
+              <a:t>01.12.2020</a:t>
             </a:fld>
             <a:endParaRPr lang="uk-UA"/>
           </a:p>
@@ -1814,7 +1814,7 @@
             <a:fld id="{4B2141DD-FE72-44AA-B946-B70892F1F5B7}" type="datetime1">
               <a:rPr lang="uk-UA" smtClean="0"/>
               <a:pPr/>
-              <a:t>02.11.2020</a:t>
+              <a:t>01.12.2020</a:t>
             </a:fld>
             <a:endParaRPr lang="uk-UA"/>
           </a:p>
@@ -2233,7 +2233,7 @@
             <a:fld id="{D1C4DC7C-6CC4-4D1F-A21B-A650800E0532}" type="datetime1">
               <a:rPr lang="uk-UA" smtClean="0"/>
               <a:pPr/>
-              <a:t>02.11.2020</a:t>
+              <a:t>01.12.2020</a:t>
             </a:fld>
             <a:endParaRPr lang="uk-UA"/>
           </a:p>
@@ -2348,7 +2348,7 @@
             <a:fld id="{09E753FA-BE70-4E9D-A1A2-A798C2E22C2C}" type="datetime1">
               <a:rPr lang="uk-UA" smtClean="0"/>
               <a:pPr/>
-              <a:t>02.11.2020</a:t>
+              <a:t>01.12.2020</a:t>
             </a:fld>
             <a:endParaRPr lang="uk-UA"/>
           </a:p>
@@ -2440,7 +2440,7 @@
             <a:fld id="{BC4E9D1B-A194-48C6-B5A1-4C29D0F81227}" type="datetime1">
               <a:rPr lang="uk-UA" smtClean="0"/>
               <a:pPr/>
-              <a:t>02.11.2020</a:t>
+              <a:t>01.12.2020</a:t>
             </a:fld>
             <a:endParaRPr lang="uk-UA"/>
           </a:p>
@@ -2714,7 +2714,7 @@
             <a:fld id="{98DC5B78-3AEE-4E8C-84A2-DF8B252C6B7D}" type="datetime1">
               <a:rPr lang="uk-UA" smtClean="0"/>
               <a:pPr/>
-              <a:t>02.11.2020</a:t>
+              <a:t>01.12.2020</a:t>
             </a:fld>
             <a:endParaRPr lang="uk-UA"/>
           </a:p>
@@ -2964,7 +2964,7 @@
             <a:fld id="{08E6AC05-7690-4D29-B090-15CFA8055B58}" type="datetime1">
               <a:rPr lang="uk-UA" smtClean="0"/>
               <a:pPr/>
-              <a:t>02.11.2020</a:t>
+              <a:t>01.12.2020</a:t>
             </a:fld>
             <a:endParaRPr lang="uk-UA"/>
           </a:p>
@@ -3174,7 +3174,7 @@
             <a:fld id="{C4778AB5-85A2-4D58-9351-A198925B541D}" type="datetime1">
               <a:rPr lang="uk-UA" smtClean="0"/>
               <a:pPr/>
-              <a:t>02.11.2020</a:t>
+              <a:t>01.12.2020</a:t>
             </a:fld>
             <a:endParaRPr lang="uk-UA"/>
           </a:p>
@@ -5868,13 +5868,13 @@
         </p:nvPicPr>
         <p:blipFill rotWithShape="1">
           <a:blip r:embed="rId2"/>
-          <a:srcRect l="9359" r="11169" b="7051"/>
+          <a:srcRect l="20020" r="21830" b="7051"/>
           <a:stretch/>
         </p:blipFill>
         <p:spPr>
           <a:xfrm>
-            <a:off x="695399" y="987028"/>
-            <a:ext cx="5904657" cy="4746228"/>
+            <a:off x="1487488" y="987028"/>
+            <a:ext cx="4320480" cy="4746228"/>
           </a:xfrm>
           <a:prstGeom prst="rect">
             <a:avLst/>
@@ -6073,15 +6073,7 @@
           <a:p>
             <a:r>
               <a:rPr lang="ru-RU" sz="2400" dirty="0" smtClean="0"/>
-              <a:t>Воспользуйтесь </a:t>
-            </a:r>
-            <a:r>
-              <a:rPr lang="ru-RU" sz="2400" dirty="0" smtClean="0"/>
-              <a:t>шаблоном </a:t>
-            </a:r>
-            <a:r>
-              <a:rPr lang="ru-RU" sz="2400" dirty="0" smtClean="0"/>
-              <a:t>в </a:t>
+              <a:t>Воспользуйтесь шаблоном в </a:t>
             </a:r>
             <a:r>
               <a:rPr lang="ru-RU" sz="2400" dirty="0" err="1" smtClean="0"/>
@@ -6733,15 +6725,7 @@
             </a:r>
             <a:r>
               <a:rPr lang="ru-RU" sz="3600" b="1" dirty="0" smtClean="0"/>
-              <a:t> язы</a:t>
-            </a:r>
-            <a:r>
-              <a:rPr lang="ru-RU" sz="3600" b="1" dirty="0" smtClean="0"/>
-              <a:t>к</a:t>
-            </a:r>
-            <a:r>
-              <a:rPr lang="ru-RU" sz="3600" b="1" dirty="0" smtClean="0"/>
-              <a:t> </a:t>
+              <a:t> язык </a:t>
             </a:r>
             <a:r>
               <a:rPr lang="ru-RU" sz="3600" b="1" dirty="0"/>
@@ -6978,11 +6962,7 @@
             </a:r>
             <a:r>
               <a:rPr lang="ru-RU" sz="3200" dirty="0" smtClean="0"/>
-              <a:t>должен </a:t>
-            </a:r>
-            <a:r>
-              <a:rPr lang="ru-RU" sz="3200" dirty="0" smtClean="0"/>
-              <a:t>рассчитывать </a:t>
+              <a:t>должен рассчитывать </a:t>
             </a:r>
             <a:r>
               <a:rPr lang="ru-RU" sz="3200" dirty="0"/>
@@ -7996,11 +7976,7 @@
             </a:r>
             <a:r>
               <a:rPr lang="ru-RU" sz="2400" dirty="0" smtClean="0"/>
-              <a:t>должен </a:t>
-            </a:r>
-            <a:r>
-              <a:rPr lang="ru-RU" sz="2400" dirty="0" smtClean="0"/>
-              <a:t>рассчитывать </a:t>
+              <a:t>должен рассчитывать </a:t>
             </a:r>
             <a:r>
               <a:rPr lang="ru-RU" sz="2400" dirty="0"/>
@@ -8293,17 +8269,7 @@
                   </a:schemeClr>
                 </a:solidFill>
               </a:rPr>
-              <a:t>v. </a:t>
-            </a:r>
-            <a:r>
-              <a:rPr lang="en-US" sz="3200" b="1" dirty="0" smtClean="0">
-                <a:solidFill>
-                  <a:schemeClr val="accent6">
-                    <a:lumMod val="75000"/>
-                  </a:schemeClr>
-                </a:solidFill>
-              </a:rPr>
-              <a:t>2019</a:t>
+              <a:t>v. 2019</a:t>
             </a:r>
             <a:endParaRPr lang="uk-UA" sz="3200" b="1" dirty="0">
               <a:solidFill>
@@ -10097,11 +10063,7 @@
             <a:pPr algn="ctr"/>
             <a:r>
               <a:rPr lang="ru-RU" sz="2400" dirty="0" smtClean="0"/>
-              <a:t>Что неудивительно, </a:t>
-            </a:r>
-            <a:r>
-              <a:rPr lang="ru-RU" sz="2400" dirty="0" smtClean="0"/>
-              <a:t>ведь </a:t>
+              <a:t>Что неудивительно, ведь </a:t>
             </a:r>
             <a:r>
               <a:rPr lang="en-US" sz="2400" b="1" dirty="0" smtClean="0"/>
